--- a/after/발표용ppt/기획/기획발표ppt.pptx
+++ b/after/발표용ppt/기획/기획발표ppt.pptx
@@ -117,14 +117,6 @@
     </p:ext>
   </p:extLst>
 </p:presentation>
-</file>
-
-<file path=ppt/revisionInfo.xml><?xml version="1.0" encoding="utf-8"?>
-<p1510:revInfo xmlns:a="http://schemas.openxmlformats.org/drawingml/2006/main" xmlns:r="http://schemas.openxmlformats.org/officeDocument/2006/relationships" xmlns:p1510="http://schemas.microsoft.com/office/powerpoint/2015/10/main">
-  <p1510:revLst>
-    <p1510:client id="{2F398432-EE9F-4A29-B7C9-629F5E13BA72}" v="43" dt="2022-08-20T03:43:43.543"/>
-  </p1510:revLst>
-</p1510:revInfo>
 </file>
 
 <file path=ppt/changesInfos/changesInfo1.xml><?xml version="1.0" encoding="utf-8"?>
@@ -513,6 +505,53 @@
       </pc:sldChg>
     </pc:docChg>
   </pc:docChgLst>
+  <pc:docChgLst>
+    <pc:chgData name="박 태석" userId="d73119559fd908c0" providerId="LiveId" clId="{662302BF-377B-4F62-A1D4-469C9E5B9444}"/>
+    <pc:docChg chg="undo custSel modSld">
+      <pc:chgData name="박 태석" userId="d73119559fd908c0" providerId="LiveId" clId="{662302BF-377B-4F62-A1D4-469C9E5B9444}" dt="2022-08-21T14:39:51.949" v="5" actId="113"/>
+      <pc:docMkLst>
+        <pc:docMk/>
+      </pc:docMkLst>
+      <pc:sldChg chg="modSp mod">
+        <pc:chgData name="박 태석" userId="d73119559fd908c0" providerId="LiveId" clId="{662302BF-377B-4F62-A1D4-469C9E5B9444}" dt="2022-08-21T14:39:51.949" v="5" actId="113"/>
+        <pc:sldMkLst>
+          <pc:docMk/>
+          <pc:sldMk cId="3668988716" sldId="257"/>
+        </pc:sldMkLst>
+        <pc:spChg chg="mod">
+          <ac:chgData name="박 태석" userId="d73119559fd908c0" providerId="LiveId" clId="{662302BF-377B-4F62-A1D4-469C9E5B9444}" dt="2022-08-21T14:39:51.949" v="5" actId="113"/>
+          <ac:spMkLst>
+            <pc:docMk/>
+            <pc:sldMk cId="3668988716" sldId="257"/>
+            <ac:spMk id="8" creationId="{EE9B8C62-DCD3-F5BC-FA87-0D0F988579AE}"/>
+          </ac:spMkLst>
+        </pc:spChg>
+        <pc:grpChg chg="mod">
+          <ac:chgData name="박 태석" userId="d73119559fd908c0" providerId="LiveId" clId="{662302BF-377B-4F62-A1D4-469C9E5B9444}" dt="2022-08-21T14:39:48.545" v="2" actId="1076"/>
+          <ac:grpSpMkLst>
+            <pc:docMk/>
+            <pc:sldMk cId="3668988716" sldId="257"/>
+            <ac:grpSpMk id="3" creationId="{00000000-0000-0000-0000-000000000000}"/>
+          </ac:grpSpMkLst>
+        </pc:grpChg>
+      </pc:sldChg>
+      <pc:sldChg chg="modSp mod">
+        <pc:chgData name="박 태석" userId="d73119559fd908c0" providerId="LiveId" clId="{662302BF-377B-4F62-A1D4-469C9E5B9444}" dt="2022-08-21T14:39:45.158" v="0" actId="207"/>
+        <pc:sldMkLst>
+          <pc:docMk/>
+          <pc:sldMk cId="311809084" sldId="264"/>
+        </pc:sldMkLst>
+        <pc:spChg chg="mod">
+          <ac:chgData name="박 태석" userId="d73119559fd908c0" providerId="LiveId" clId="{662302BF-377B-4F62-A1D4-469C9E5B9444}" dt="2022-08-21T14:39:45.158" v="0" actId="207"/>
+          <ac:spMkLst>
+            <pc:docMk/>
+            <pc:sldMk cId="311809084" sldId="264"/>
+            <ac:spMk id="14" creationId="{74E0D2A6-7D0C-4F85-B3AB-2B9B481619C6}"/>
+          </ac:spMkLst>
+        </pc:spChg>
+      </pc:sldChg>
+    </pc:docChg>
+  </pc:docChgLst>
 </pc:chgInfo>
 </file>
 
@@ -670,7 +709,7 @@
                 </a:solidFill>
               </a:rPr>
               <a:pPr/>
-              <a:t>2022-08-20</a:t>
+              <a:t>2022-08-21</a:t>
             </a:fld>
             <a:endParaRPr lang="ko-KR" altLang="en-US" dirty="0">
               <a:solidFill>
@@ -900,7 +939,7 @@
                 </a:solidFill>
               </a:rPr>
               <a:pPr/>
-              <a:t>2022-08-20</a:t>
+              <a:t>2022-08-21</a:t>
             </a:fld>
             <a:endParaRPr lang="ko-KR" altLang="en-US" dirty="0">
               <a:solidFill>
@@ -1140,7 +1179,7 @@
                 </a:solidFill>
               </a:rPr>
               <a:pPr/>
-              <a:t>2022-08-20</a:t>
+              <a:t>2022-08-21</a:t>
             </a:fld>
             <a:endParaRPr lang="ko-KR" altLang="en-US" dirty="0">
               <a:solidFill>
@@ -1370,7 +1409,7 @@
                 </a:solidFill>
               </a:rPr>
               <a:pPr/>
-              <a:t>2022-08-20</a:t>
+              <a:t>2022-08-21</a:t>
             </a:fld>
             <a:endParaRPr lang="ko-KR" altLang="en-US" dirty="0">
               <a:solidFill>
@@ -1677,7 +1716,7 @@
                 </a:solidFill>
               </a:rPr>
               <a:pPr/>
-              <a:t>2022-08-20</a:t>
+              <a:t>2022-08-21</a:t>
             </a:fld>
             <a:endParaRPr lang="ko-KR" altLang="en-US" dirty="0">
               <a:solidFill>
@@ -1974,7 +2013,7 @@
                 </a:solidFill>
               </a:rPr>
               <a:pPr/>
-              <a:t>2022-08-20</a:t>
+              <a:t>2022-08-21</a:t>
             </a:fld>
             <a:endParaRPr lang="ko-KR" altLang="en-US" dirty="0">
               <a:solidFill>
@@ -2418,7 +2457,7 @@
                 </a:solidFill>
               </a:rPr>
               <a:pPr/>
-              <a:t>2022-08-20</a:t>
+              <a:t>2022-08-21</a:t>
             </a:fld>
             <a:endParaRPr lang="ko-KR" altLang="en-US" dirty="0">
               <a:solidFill>
@@ -2591,7 +2630,7 @@
                 </a:solidFill>
               </a:rPr>
               <a:pPr/>
-              <a:t>2022-08-20</a:t>
+              <a:t>2022-08-21</a:t>
             </a:fld>
             <a:endParaRPr lang="ko-KR" altLang="en-US" dirty="0">
               <a:solidFill>
@@ -2736,7 +2775,7 @@
                 </a:solidFill>
               </a:rPr>
               <a:pPr/>
-              <a:t>2022-08-20</a:t>
+              <a:t>2022-08-21</a:t>
             </a:fld>
             <a:endParaRPr lang="ko-KR" altLang="en-US" dirty="0">
               <a:solidFill>
@@ -3079,7 +3118,7 @@
                 </a:solidFill>
               </a:rPr>
               <a:pPr/>
-              <a:t>2022-08-20</a:t>
+              <a:t>2022-08-21</a:t>
             </a:fld>
             <a:endParaRPr lang="ko-KR" altLang="en-US" dirty="0">
               <a:solidFill>
@@ -3399,7 +3438,7 @@
                 </a:solidFill>
               </a:rPr>
               <a:pPr/>
-              <a:t>2022-08-20</a:t>
+              <a:t>2022-08-21</a:t>
             </a:fld>
             <a:endParaRPr lang="ko-KR" altLang="en-US" dirty="0">
               <a:solidFill>
@@ -3672,7 +3711,7 @@
                 </a:solidFill>
               </a:rPr>
               <a:pPr/>
-              <a:t>2022-08-20</a:t>
+              <a:t>2022-08-21</a:t>
             </a:fld>
             <a:endParaRPr lang="ko-KR" altLang="en-US" dirty="0">
               <a:solidFill>
@@ -4272,44 +4311,44 @@
                 <a:defRPr/>
               </a:pPr>
               <a:r>
-                <a:rPr lang="ko-KR" altLang="en-US" sz="1600" i="1" kern="0" dirty="0" err="1">
+                <a:rPr lang="ko-KR" altLang="en-US" sz="1600" b="1" kern="0" dirty="0" err="1">
                   <a:ln w="15875">
                     <a:noFill/>
                   </a:ln>
                   <a:solidFill>
-                    <a:srgbClr val="F9F6E7"/>
+                    <a:schemeClr val="tx1"/>
                   </a:solidFill>
                   <a:ea typeface="Tmon몬소리 Black" panose="02000A03000000000000" pitchFamily="2" charset="-127"/>
                 </a:rPr>
                 <a:t>노민섭</a:t>
               </a:r>
               <a:r>
-                <a:rPr lang="en-US" altLang="ko-KR" sz="1600" i="1" kern="0" dirty="0">
+                <a:rPr lang="en-US" altLang="ko-KR" sz="1600" b="1" kern="0" dirty="0">
                   <a:ln w="15875">
                     <a:noFill/>
                   </a:ln>
                   <a:solidFill>
-                    <a:srgbClr val="F9F6E7"/>
+                    <a:schemeClr val="tx1"/>
                   </a:solidFill>
                   <a:ea typeface="Tmon몬소리 Black" panose="02000A03000000000000" pitchFamily="2" charset="-127"/>
                 </a:rPr>
                 <a:t>, </a:t>
               </a:r>
               <a:r>
-                <a:rPr lang="ko-KR" altLang="en-US" sz="1600" i="1" kern="0" dirty="0">
+                <a:rPr lang="ko-KR" altLang="en-US" sz="1600" b="1" kern="0" dirty="0">
                   <a:ln w="15875">
                     <a:noFill/>
                   </a:ln>
                   <a:solidFill>
-                    <a:srgbClr val="F9F6E7"/>
+                    <a:schemeClr val="tx1"/>
                   </a:solidFill>
                   <a:ea typeface="Tmon몬소리 Black" panose="02000A03000000000000" pitchFamily="2" charset="-127"/>
                 </a:rPr>
                 <a:t>박태석</a:t>
               </a:r>
-              <a:endParaRPr lang="ko-KR" altLang="en-US" sz="1600" i="1" dirty="0">
+              <a:endParaRPr lang="ko-KR" altLang="en-US" sz="1600" b="1" dirty="0">
                 <a:solidFill>
-                  <a:srgbClr val="F9F6E7"/>
+                  <a:schemeClr val="tx1"/>
                 </a:solidFill>
               </a:endParaRPr>
             </a:p>
@@ -8093,206 +8132,102 @@
           <a:lstStyle/>
           <a:p>
             <a:r>
-              <a:rPr lang="ko-KR" altLang="en-US" sz="2000" b="1" dirty="0">
-                <a:solidFill>
-                  <a:schemeClr val="bg1"/>
-                </a:solidFill>
-              </a:rPr>
+              <a:rPr lang="ko-KR" altLang="en-US" sz="2000" b="1" dirty="0"/>
               <a:t>기존 같은 게임을 하는 커뮤니티는 게시판 형식</a:t>
             </a:r>
-            <a:endParaRPr lang="en-US" altLang="ko-KR" sz="2000" b="1" dirty="0">
-              <a:solidFill>
-                <a:schemeClr val="bg1"/>
-              </a:solidFill>
-            </a:endParaRPr>
+            <a:endParaRPr lang="en-US" altLang="ko-KR" sz="2000" b="1" dirty="0"/>
           </a:p>
           <a:p>
-            <a:endParaRPr lang="en-US" altLang="ko-KR" sz="2000" b="1" dirty="0">
-              <a:solidFill>
-                <a:schemeClr val="bg1"/>
-              </a:solidFill>
-            </a:endParaRPr>
+            <a:endParaRPr lang="en-US" altLang="ko-KR" sz="2000" b="1" dirty="0"/>
           </a:p>
           <a:p>
             <a:r>
-              <a:rPr lang="en-US" altLang="ko-KR" sz="2000" b="1" dirty="0">
-                <a:solidFill>
-                  <a:schemeClr val="bg1"/>
-                </a:solidFill>
-              </a:rPr>
+              <a:rPr lang="en-US" altLang="ko-KR" sz="2000" b="1" dirty="0"/>
               <a:t>SNS</a:t>
             </a:r>
             <a:r>
-              <a:rPr lang="ko-KR" altLang="en-US" sz="2000" b="1" dirty="0">
-                <a:solidFill>
-                  <a:schemeClr val="bg1"/>
-                </a:solidFill>
-              </a:rPr>
+              <a:rPr lang="ko-KR" altLang="en-US" sz="2000" b="1" dirty="0"/>
               <a:t>형식으로 공략</a:t>
             </a:r>
             <a:r>
-              <a:rPr lang="en-US" altLang="ko-KR" sz="2000" b="1" dirty="0">
-                <a:solidFill>
-                  <a:schemeClr val="bg1"/>
-                </a:solidFill>
-              </a:rPr>
+              <a:rPr lang="en-US" altLang="ko-KR" sz="2000" b="1" dirty="0"/>
               <a:t>, </a:t>
             </a:r>
             <a:r>
-              <a:rPr lang="ko-KR" altLang="en-US" sz="2000" b="1" dirty="0">
-                <a:solidFill>
-                  <a:schemeClr val="bg1"/>
-                </a:solidFill>
-              </a:rPr>
+              <a:rPr lang="ko-KR" altLang="en-US" sz="2000" b="1" dirty="0"/>
               <a:t>일상</a:t>
             </a:r>
             <a:r>
-              <a:rPr lang="en-US" altLang="ko-KR" sz="2000" b="1" dirty="0">
-                <a:solidFill>
-                  <a:schemeClr val="bg1"/>
-                </a:solidFill>
-              </a:rPr>
+              <a:rPr lang="en-US" altLang="ko-KR" sz="2000" b="1" dirty="0"/>
               <a:t>, </a:t>
             </a:r>
             <a:r>
-              <a:rPr lang="ko-KR" altLang="en-US" sz="2000" b="1" dirty="0">
-                <a:solidFill>
-                  <a:schemeClr val="bg1"/>
-                </a:solidFill>
-              </a:rPr>
+              <a:rPr lang="ko-KR" altLang="en-US" sz="2000" b="1" dirty="0"/>
               <a:t>아이템거래 등 </a:t>
             </a:r>
-            <a:endParaRPr lang="en-US" altLang="ko-KR" sz="2000" b="1" dirty="0">
-              <a:solidFill>
-                <a:schemeClr val="bg1"/>
-              </a:solidFill>
-            </a:endParaRPr>
+            <a:endParaRPr lang="en-US" altLang="ko-KR" sz="2000" b="1" dirty="0"/>
           </a:p>
           <a:p>
-            <a:endParaRPr lang="en-US" altLang="ko-KR" sz="2000" b="1" dirty="0">
-              <a:solidFill>
-                <a:schemeClr val="bg1"/>
-              </a:solidFill>
-            </a:endParaRPr>
+            <a:endParaRPr lang="en-US" altLang="ko-KR" sz="2000" b="1" dirty="0"/>
           </a:p>
           <a:p>
-            <a:endParaRPr lang="ko-KR" altLang="en-US" sz="2000" b="1" dirty="0">
-              <a:solidFill>
-                <a:schemeClr val="bg1"/>
-              </a:solidFill>
-            </a:endParaRPr>
+            <a:endParaRPr lang="ko-KR" altLang="en-US" sz="2000" b="1" dirty="0"/>
           </a:p>
           <a:p>
             <a:r>
-              <a:rPr lang="ko-KR" altLang="en-US" sz="2000" b="1" dirty="0">
-                <a:solidFill>
-                  <a:schemeClr val="bg1"/>
-                </a:solidFill>
-              </a:rPr>
+              <a:rPr lang="ko-KR" altLang="en-US" sz="2000" b="1" dirty="0"/>
               <a:t>같은 게임을 하는 사람들끼리 친목을 다지기 위한 </a:t>
             </a:r>
             <a:r>
-              <a:rPr lang="en-US" altLang="ko-KR" sz="2000" b="1" dirty="0">
-                <a:solidFill>
-                  <a:schemeClr val="bg1"/>
-                </a:solidFill>
-              </a:rPr>
+              <a:rPr lang="en-US" altLang="ko-KR" sz="2000" b="1" dirty="0"/>
               <a:t>SNS</a:t>
             </a:r>
             <a:r>
-              <a:rPr lang="ko-KR" altLang="en-US" sz="2000" b="1" dirty="0">
-                <a:solidFill>
-                  <a:schemeClr val="bg1"/>
-                </a:solidFill>
-              </a:rPr>
+              <a:rPr lang="ko-KR" altLang="en-US" sz="2000" b="1" dirty="0"/>
               <a:t>를 개발하기 위함이다</a:t>
             </a:r>
             <a:r>
-              <a:rPr lang="en-US" altLang="ko-KR" sz="2000" b="1" dirty="0">
-                <a:solidFill>
-                  <a:schemeClr val="bg1"/>
-                </a:solidFill>
-              </a:rPr>
+              <a:rPr lang="en-US" altLang="ko-KR" sz="2000" b="1" dirty="0"/>
               <a:t>.</a:t>
             </a:r>
           </a:p>
           <a:p>
-            <a:endParaRPr lang="en-US" altLang="ko-KR" sz="2000" b="1" dirty="0">
-              <a:solidFill>
-                <a:schemeClr val="bg1"/>
-              </a:solidFill>
-            </a:endParaRPr>
+            <a:endParaRPr lang="en-US" altLang="ko-KR" sz="2000" b="1" dirty="0"/>
           </a:p>
           <a:p>
             <a:r>
-              <a:rPr lang="ko-KR" altLang="en-US" sz="2000" b="1" dirty="0">
-                <a:solidFill>
-                  <a:schemeClr val="bg1"/>
-                </a:solidFill>
-              </a:rPr>
+              <a:rPr lang="ko-KR" altLang="en-US" sz="2000" b="1" dirty="0"/>
               <a:t>추가적으로</a:t>
             </a:r>
             <a:r>
-              <a:rPr lang="en-US" altLang="ko-KR" sz="2000" b="1" dirty="0">
-                <a:solidFill>
-                  <a:schemeClr val="bg1"/>
-                </a:solidFill>
-              </a:rPr>
+              <a:rPr lang="en-US" altLang="ko-KR" sz="2000" b="1" dirty="0"/>
               <a:t>, </a:t>
             </a:r>
             <a:r>
-              <a:rPr lang="ko-KR" altLang="en-US" sz="2000" b="1" dirty="0">
-                <a:solidFill>
-                  <a:schemeClr val="bg1"/>
-                </a:solidFill>
-              </a:rPr>
+              <a:rPr lang="ko-KR" altLang="en-US" sz="2000" b="1" dirty="0"/>
               <a:t>미니게임과 같은 </a:t>
             </a:r>
             <a:r>
-              <a:rPr lang="ko-KR" altLang="en-US" sz="2000" b="1" dirty="0" err="1">
-                <a:solidFill>
-                  <a:schemeClr val="bg1"/>
-                </a:solidFill>
-              </a:rPr>
+              <a:rPr lang="ko-KR" altLang="en-US" sz="2000" b="1" dirty="0" err="1"/>
               <a:t>컨텐츠적인</a:t>
             </a:r>
             <a:r>
-              <a:rPr lang="ko-KR" altLang="en-US" sz="2000" b="1" dirty="0">
-                <a:solidFill>
-                  <a:schemeClr val="bg1"/>
-                </a:solidFill>
-              </a:rPr>
+              <a:rPr lang="ko-KR" altLang="en-US" sz="2000" b="1" dirty="0"/>
               <a:t> 요소들도 추가하여 </a:t>
             </a:r>
             <a:r>
-              <a:rPr lang="en-US" altLang="ko-KR" sz="2000" b="1" dirty="0">
-                <a:solidFill>
-                  <a:schemeClr val="bg1"/>
-                </a:solidFill>
-              </a:rPr>
+              <a:rPr lang="en-US" altLang="ko-KR" sz="2000" b="1" dirty="0"/>
               <a:t>SNS</a:t>
             </a:r>
             <a:r>
-              <a:rPr lang="ko-KR" altLang="en-US" sz="2000" b="1" dirty="0">
-                <a:solidFill>
-                  <a:schemeClr val="bg1"/>
-                </a:solidFill>
-              </a:rPr>
+              <a:rPr lang="ko-KR" altLang="en-US" sz="2000" b="1" dirty="0"/>
               <a:t>활동에 재미를 느끼게 하려고 한다</a:t>
             </a:r>
             <a:r>
-              <a:rPr lang="en-US" altLang="ko-KR" sz="2000" b="1" dirty="0">
-                <a:solidFill>
-                  <a:schemeClr val="bg1"/>
-                </a:solidFill>
-              </a:rPr>
+              <a:rPr lang="en-US" altLang="ko-KR" sz="2000" b="1" dirty="0"/>
               <a:t>.</a:t>
             </a:r>
-            <a:endParaRPr lang="ko-KR" altLang="en-US" sz="2000" b="1" dirty="0">
-              <a:solidFill>
-                <a:schemeClr val="bg1"/>
-              </a:solidFill>
-            </a:endParaRPr>
+            <a:endParaRPr lang="ko-KR" altLang="en-US" sz="2000" b="1" dirty="0"/>
           </a:p>
         </p:txBody>
       </p:sp>
